--- a/Dobble.pptx
+++ b/Dobble.pptx
@@ -1330,7 +1330,7 @@
             <a:fld id="{9334D819-9F07-4261-B09B-9E467E5D9002}" type="datetimeFigureOut">
               <a:rPr lang="en-US" dirty="0"/>
               <a:pPr/>
-              <a:t>1/15/2019</a:t>
+              <a:t>2/2/2019</a:t>
             </a:fld>
             <a:endParaRPr lang="en-US" dirty="0"/>
           </a:p>
@@ -1564,7 +1564,7 @@
           <a:p>
             <a:fld id="{9334D819-9F07-4261-B09B-9E467E5D9002}" type="datetimeFigureOut">
               <a:rPr lang="en-US" dirty="0"/>
-              <a:t>1/15/2019</a:t>
+              <a:t>2/2/2019</a:t>
             </a:fld>
             <a:endParaRPr lang="en-US" dirty="0"/>
           </a:p>
@@ -1739,7 +1739,7 @@
           <a:p>
             <a:fld id="{9334D819-9F07-4261-B09B-9E467E5D9002}" type="datetimeFigureOut">
               <a:rPr lang="en-US" dirty="0"/>
-              <a:t>1/15/2019</a:t>
+              <a:t>2/2/2019</a:t>
             </a:fld>
             <a:endParaRPr lang="en-US" dirty="0"/>
           </a:p>
@@ -1904,7 +1904,7 @@
           <a:p>
             <a:fld id="{9334D819-9F07-4261-B09B-9E467E5D9002}" type="datetimeFigureOut">
               <a:rPr lang="en-US" dirty="0"/>
-              <a:t>1/15/2019</a:t>
+              <a:t>2/2/2019</a:t>
             </a:fld>
             <a:endParaRPr lang="en-US" dirty="0"/>
           </a:p>
@@ -2176,7 +2176,7 @@
             <a:fld id="{9334D819-9F07-4261-B09B-9E467E5D9002}" type="datetimeFigureOut">
               <a:rPr lang="en-US" dirty="0"/>
               <a:pPr/>
-              <a:t>1/15/2019</a:t>
+              <a:t>2/2/2019</a:t>
             </a:fld>
             <a:endParaRPr lang="en-US" dirty="0"/>
           </a:p>
@@ -3373,7 +3373,7 @@
           <a:p>
             <a:fld id="{9334D819-9F07-4261-B09B-9E467E5D9002}" type="datetimeFigureOut">
               <a:rPr lang="en-US" dirty="0"/>
-              <a:t>1/15/2019</a:t>
+              <a:t>2/2/2019</a:t>
             </a:fld>
             <a:endParaRPr lang="en-US" dirty="0"/>
           </a:p>
@@ -3758,7 +3758,7 @@
           <a:p>
             <a:fld id="{9334D819-9F07-4261-B09B-9E467E5D9002}" type="datetimeFigureOut">
               <a:rPr lang="en-US" dirty="0"/>
-              <a:t>1/15/2019</a:t>
+              <a:t>2/2/2019</a:t>
             </a:fld>
             <a:endParaRPr lang="en-US" dirty="0"/>
           </a:p>
@@ -3876,7 +3876,7 @@
           <a:p>
             <a:fld id="{9334D819-9F07-4261-B09B-9E467E5D9002}" type="datetimeFigureOut">
               <a:rPr lang="en-US" dirty="0"/>
-              <a:t>1/15/2019</a:t>
+              <a:t>2/2/2019</a:t>
             </a:fld>
             <a:endParaRPr lang="en-US" dirty="0"/>
           </a:p>
@@ -3966,7 +3966,7 @@
           <a:p>
             <a:fld id="{9334D819-9F07-4261-B09B-9E467E5D9002}" type="datetimeFigureOut">
               <a:rPr lang="en-US" dirty="0"/>
-              <a:t>1/15/2019</a:t>
+              <a:t>2/2/2019</a:t>
             </a:fld>
             <a:endParaRPr lang="en-US" dirty="0"/>
           </a:p>
@@ -4724,7 +4724,7 @@
           <a:p>
             <a:fld id="{9334D819-9F07-4261-B09B-9E467E5D9002}" type="datetimeFigureOut">
               <a:rPr lang="en-US" dirty="0"/>
-              <a:t>1/15/2019</a:t>
+              <a:t>2/2/2019</a:t>
             </a:fld>
             <a:endParaRPr lang="en-US" dirty="0"/>
           </a:p>
@@ -5559,7 +5559,7 @@
           <a:p>
             <a:fld id="{9334D819-9F07-4261-B09B-9E467E5D9002}" type="datetimeFigureOut">
               <a:rPr lang="en-US" dirty="0"/>
-              <a:t>1/15/2019</a:t>
+              <a:t>2/2/2019</a:t>
             </a:fld>
             <a:endParaRPr lang="en-US" dirty="0"/>
           </a:p>
@@ -5782,7 +5782,7 @@
             <a:fld id="{9334D819-9F07-4261-B09B-9E467E5D9002}" type="datetimeFigureOut">
               <a:rPr lang="en-US" dirty="0"/>
               <a:pPr/>
-              <a:t>1/15/2019</a:t>
+              <a:t>2/2/2019</a:t>
             </a:fld>
             <a:endParaRPr lang="en-US" dirty="0"/>
           </a:p>
@@ -7300,14 +7300,14 @@
           <p:nvPr>
             <p:extLst>
               <p:ext uri="{D42A27DB-BD31-4B8C-83A1-F6EECF244321}">
-                <p14:modId xmlns:p14="http://schemas.microsoft.com/office/powerpoint/2010/main" val="230489659"/>
+                <p14:modId xmlns:p14="http://schemas.microsoft.com/office/powerpoint/2010/main" val="561608491"/>
               </p:ext>
             </p:extLst>
           </p:nvPr>
         </p:nvGraphicFramePr>
         <p:xfrm>
-          <a:off x="2032000" y="1442906"/>
-          <a:ext cx="9398000" cy="5254025"/>
+          <a:off x="1837189" y="1442906"/>
+          <a:ext cx="9592812" cy="5347756"/>
         </p:xfrm>
         <a:graphic>
           <a:graphicData uri="http://schemas.openxmlformats.org/drawingml/2006/table">
@@ -7316,14 +7316,14 @@
                 <a:tableStyleId>{5C22544A-7EE6-4342-B048-85BDC9FD1C3A}</a:tableStyleId>
               </a:tblPr>
               <a:tblGrid>
-                <a:gridCol w="4699000">
+                <a:gridCol w="4796406">
                   <a:extLst>
                     <a:ext uri="{9D8B030D-6E8A-4147-A177-3AD203B41FA5}">
                       <a16:colId xmlns:a16="http://schemas.microsoft.com/office/drawing/2014/main" val="384737266"/>
                     </a:ext>
                   </a:extLst>
                 </a:gridCol>
-                <a:gridCol w="4699000">
+                <a:gridCol w="4796406">
                   <a:extLst>
                     <a:ext uri="{9D8B030D-6E8A-4147-A177-3AD203B41FA5}">
                       <a16:colId xmlns:a16="http://schemas.microsoft.com/office/drawing/2014/main" val="2859793683"/>
@@ -7331,7 +7331,7 @@
                   </a:extLst>
                 </a:gridCol>
               </a:tblGrid>
-              <a:tr h="1279887">
+              <a:tr h="1296423">
                 <a:tc>
                   <a:txBody>
                     <a:bodyPr/>
@@ -7364,7 +7364,41 @@
                   </a:ext>
                 </a:extLst>
               </a:tr>
-              <a:tr h="1279887">
+              <a:tr h="720235">
+                <a:tc>
+                  <a:txBody>
+                    <a:bodyPr/>
+                    <a:lstStyle/>
+                    <a:p>
+                      <a:r>
+                        <a:rPr lang="nl-BE" sz="4400" dirty="0" err="1"/>
+                        <a:t>Makeplayground</a:t>
+                      </a:r>
+                      <a:endParaRPr lang="nl-BE" sz="4400" dirty="0"/>
+                    </a:p>
+                  </a:txBody>
+                  <a:tcPr/>
+                </a:tc>
+                <a:tc>
+                  <a:txBody>
+                    <a:bodyPr/>
+                    <a:lstStyle/>
+                    <a:p>
+                      <a:r>
+                        <a:rPr lang="nl-BE" sz="2800" dirty="0"/>
+                        <a:t>Speelveld maker </a:t>
+                      </a:r>
+                    </a:p>
+                  </a:txBody>
+                  <a:tcPr/>
+                </a:tc>
+                <a:extLst>
+                  <a:ext uri="{0D108BD9-81ED-4DB2-BD59-A6C34878D82A}">
+                    <a16:rowId xmlns:a16="http://schemas.microsoft.com/office/drawing/2014/main" val="1215969470"/>
+                  </a:ext>
+                </a:extLst>
+              </a:tr>
+              <a:tr h="777854">
                 <a:tc>
                   <a:txBody>
                     <a:bodyPr/>
@@ -7397,7 +7431,7 @@
                   </a:ext>
                 </a:extLst>
               </a:tr>
-              <a:tr h="1048058">
+              <a:tr h="836716">
                 <a:tc>
                   <a:txBody>
                     <a:bodyPr/>
@@ -7439,7 +7473,7 @@
                   </a:ext>
                 </a:extLst>
               </a:tr>
-              <a:tr h="1269781">
+              <a:tr h="1469279">
                 <a:tc>
                   <a:txBody>
                     <a:bodyPr/>
@@ -7565,14 +7599,14 @@
           <p:nvPr>
             <p:extLst>
               <p:ext uri="{D42A27DB-BD31-4B8C-83A1-F6EECF244321}">
-                <p14:modId xmlns:p14="http://schemas.microsoft.com/office/powerpoint/2010/main" val="3262046770"/>
+                <p14:modId xmlns:p14="http://schemas.microsoft.com/office/powerpoint/2010/main" val="2531139745"/>
               </p:ext>
             </p:extLst>
           </p:nvPr>
         </p:nvGraphicFramePr>
         <p:xfrm>
           <a:off x="1661020" y="1451295"/>
-          <a:ext cx="9768980" cy="4698674"/>
+          <a:ext cx="9768980" cy="5069468"/>
         </p:xfrm>
         <a:graphic>
           <a:graphicData uri="http://schemas.openxmlformats.org/drawingml/2006/table">
@@ -7596,7 +7630,7 @@
                   </a:extLst>
                 </a:gridCol>
               </a:tblGrid>
-              <a:tr h="2046914">
+              <a:tr h="1686188">
                 <a:tc>
                   <a:txBody>
                     <a:bodyPr/>
@@ -7685,6 +7719,26 @@
                       <a:r>
                         <a:rPr lang="nl-BE" sz="2400" dirty="0"/>
                         <a:t>Test bijschrijven.  </a:t>
+                      </a:r>
+                    </a:p>
+                    <a:p>
+                      <a:pPr marL="285750" indent="-285750">
+                        <a:buFont typeface="Arial" panose="020B0604020202020204" pitchFamily="34" charset="0"/>
+                        <a:buChar char="•"/>
+                      </a:pPr>
+                      <a:r>
+                        <a:rPr lang="nl-BE" sz="2400" dirty="0"/>
+                        <a:t>Speelveld testen</a:t>
+                      </a:r>
+                    </a:p>
+                    <a:p>
+                      <a:pPr marL="285750" indent="-285750">
+                        <a:buFont typeface="Arial" panose="020B0604020202020204" pitchFamily="34" charset="0"/>
+                        <a:buChar char="•"/>
+                      </a:pPr>
+                      <a:r>
+                        <a:rPr lang="nl-BE" sz="2400" dirty="0"/>
+                        <a:t>Antwoord testen </a:t>
                       </a:r>
                     </a:p>
                   </a:txBody>
